--- a/Python Session/upcm/function.pptx
+++ b/Python Session/upcm/function.pptx
@@ -7,6 +7,7 @@
   <p:sldIdLst>
     <p:sldId id="256" r:id="rId2"/>
     <p:sldId id="257" r:id="rId3"/>
+    <p:sldId id="258" r:id="rId4"/>
   </p:sldIdLst>
   <p:sldSz cx="12192000" cy="6858000"/>
   <p:notesSz cx="6858000" cy="9144000"/>
@@ -244,7 +245,7 @@
           <a:p>
             <a:fld id="{51E644A6-E4D5-4DC6-9105-34F44E470314}" type="datetimeFigureOut">
               <a:rPr lang="en-IN" smtClean="0"/>
-              <a:t>15-05-2022</a:t>
+              <a:t>17-05-2022</a:t>
             </a:fld>
             <a:endParaRPr lang="en-IN"/>
           </a:p>
@@ -414,7 +415,7 @@
           <a:p>
             <a:fld id="{51E644A6-E4D5-4DC6-9105-34F44E470314}" type="datetimeFigureOut">
               <a:rPr lang="en-IN" smtClean="0"/>
-              <a:t>15-05-2022</a:t>
+              <a:t>17-05-2022</a:t>
             </a:fld>
             <a:endParaRPr lang="en-IN"/>
           </a:p>
@@ -594,7 +595,7 @@
           <a:p>
             <a:fld id="{51E644A6-E4D5-4DC6-9105-34F44E470314}" type="datetimeFigureOut">
               <a:rPr lang="en-IN" smtClean="0"/>
-              <a:t>15-05-2022</a:t>
+              <a:t>17-05-2022</a:t>
             </a:fld>
             <a:endParaRPr lang="en-IN"/>
           </a:p>
@@ -764,7 +765,7 @@
           <a:p>
             <a:fld id="{51E644A6-E4D5-4DC6-9105-34F44E470314}" type="datetimeFigureOut">
               <a:rPr lang="en-IN" smtClean="0"/>
-              <a:t>15-05-2022</a:t>
+              <a:t>17-05-2022</a:t>
             </a:fld>
             <a:endParaRPr lang="en-IN"/>
           </a:p>
@@ -1010,7 +1011,7 @@
           <a:p>
             <a:fld id="{51E644A6-E4D5-4DC6-9105-34F44E470314}" type="datetimeFigureOut">
               <a:rPr lang="en-IN" smtClean="0"/>
-              <a:t>15-05-2022</a:t>
+              <a:t>17-05-2022</a:t>
             </a:fld>
             <a:endParaRPr lang="en-IN"/>
           </a:p>
@@ -1242,7 +1243,7 @@
           <a:p>
             <a:fld id="{51E644A6-E4D5-4DC6-9105-34F44E470314}" type="datetimeFigureOut">
               <a:rPr lang="en-IN" smtClean="0"/>
-              <a:t>15-05-2022</a:t>
+              <a:t>17-05-2022</a:t>
             </a:fld>
             <a:endParaRPr lang="en-IN"/>
           </a:p>
@@ -1609,7 +1610,7 @@
           <a:p>
             <a:fld id="{51E644A6-E4D5-4DC6-9105-34F44E470314}" type="datetimeFigureOut">
               <a:rPr lang="en-IN" smtClean="0"/>
-              <a:t>15-05-2022</a:t>
+              <a:t>17-05-2022</a:t>
             </a:fld>
             <a:endParaRPr lang="en-IN"/>
           </a:p>
@@ -1727,7 +1728,7 @@
           <a:p>
             <a:fld id="{51E644A6-E4D5-4DC6-9105-34F44E470314}" type="datetimeFigureOut">
               <a:rPr lang="en-IN" smtClean="0"/>
-              <a:t>15-05-2022</a:t>
+              <a:t>17-05-2022</a:t>
             </a:fld>
             <a:endParaRPr lang="en-IN"/>
           </a:p>
@@ -1822,7 +1823,7 @@
           <a:p>
             <a:fld id="{51E644A6-E4D5-4DC6-9105-34F44E470314}" type="datetimeFigureOut">
               <a:rPr lang="en-IN" smtClean="0"/>
-              <a:t>15-05-2022</a:t>
+              <a:t>17-05-2022</a:t>
             </a:fld>
             <a:endParaRPr lang="en-IN"/>
           </a:p>
@@ -2099,7 +2100,7 @@
           <a:p>
             <a:fld id="{51E644A6-E4D5-4DC6-9105-34F44E470314}" type="datetimeFigureOut">
               <a:rPr lang="en-IN" smtClean="0"/>
-              <a:t>15-05-2022</a:t>
+              <a:t>17-05-2022</a:t>
             </a:fld>
             <a:endParaRPr lang="en-IN"/>
           </a:p>
@@ -2352,7 +2353,7 @@
           <a:p>
             <a:fld id="{51E644A6-E4D5-4DC6-9105-34F44E470314}" type="datetimeFigureOut">
               <a:rPr lang="en-IN" smtClean="0"/>
-              <a:t>15-05-2022</a:t>
+              <a:t>17-05-2022</a:t>
             </a:fld>
             <a:endParaRPr lang="en-IN"/>
           </a:p>
@@ -2565,7 +2566,7 @@
           <a:p>
             <a:fld id="{51E644A6-E4D5-4DC6-9105-34F44E470314}" type="datetimeFigureOut">
               <a:rPr lang="en-IN" smtClean="0"/>
-              <a:t>15-05-2022</a:t>
+              <a:t>17-05-2022</a:t>
             </a:fld>
             <a:endParaRPr lang="en-IN"/>
           </a:p>
@@ -3012,8 +3013,8 @@
         </p:nvSpPr>
         <p:spPr>
           <a:xfrm>
-            <a:off x="1806011" y="1657884"/>
-            <a:ext cx="9144000" cy="4520725"/>
+            <a:off x="1170774" y="1657884"/>
+            <a:ext cx="9779237" cy="4520725"/>
           </a:xfrm>
         </p:spPr>
         <p:txBody>
@@ -3032,8 +3033,20 @@
             <a:pPr algn="l"/>
             <a:r>
               <a:rPr lang="en-US" sz="1400" dirty="0" smtClean="0"/>
-              <a:t>They help us to divide our program into multiple tasks. This makes the code modular.</a:t>
-            </a:r>
+              <a:t>They help us to divide our program into multiple tasks. This makes the code modular</a:t>
+            </a:r>
+            <a:r>
+              <a:rPr lang="en-US" sz="1400" dirty="0" smtClean="0"/>
+              <a:t>.</a:t>
+            </a:r>
+          </a:p>
+          <a:p>
+            <a:pPr algn="l"/>
+            <a:r>
+              <a:rPr lang="en-US" sz="1400" dirty="0"/>
+              <a:t>Functions help break our program into smaller and modular chunks. As our program grows larger and larger, functions make it more organized and manageable.</a:t>
+            </a:r>
+            <a:endParaRPr lang="en-US" sz="1400" dirty="0" smtClean="0"/>
           </a:p>
           <a:p>
             <a:pPr algn="l"/>
@@ -3072,16 +3085,18 @@
           <a:p>
             <a:pPr algn="l"/>
             <a:r>
-              <a:rPr lang="en-US" sz="1400" dirty="0" smtClean="0"/>
-              <a:t>When function is called, control is transferred to the function, its statement executed &amp; control return to the place where the call originated.</a:t>
-            </a:r>
-          </a:p>
-          <a:p>
-            <a:pPr algn="l"/>
-            <a:r>
               <a:rPr lang="en-US" sz="1400" b="1" dirty="0" smtClean="0"/>
-              <a:t>Types of Function:</a:t>
-            </a:r>
+              <a:t>Types </a:t>
+            </a:r>
+            <a:r>
+              <a:rPr lang="en-US" sz="1400" b="1" dirty="0" smtClean="0"/>
+              <a:t>of Function</a:t>
+            </a:r>
+            <a:r>
+              <a:rPr lang="en-US" sz="1400" b="1" dirty="0" smtClean="0"/>
+              <a:t>: 	</a:t>
+            </a:r>
+            <a:endParaRPr lang="en-US" sz="1400" b="1" dirty="0" smtClean="0"/>
           </a:p>
           <a:p>
             <a:pPr marL="285750" indent="-285750" algn="l">
@@ -3159,6 +3174,911 @@
           <a:chExt cx="0" cy="0"/>
         </a:xfrm>
       </p:grpSpPr>
+      <p:graphicFrame>
+        <p:nvGraphicFramePr>
+          <p:cNvPr id="6" name="Table 5"/>
+          <p:cNvGraphicFramePr>
+            <a:graphicFrameLocks noGrp="1"/>
+          </p:cNvGraphicFramePr>
+          <p:nvPr>
+            <p:extLst>
+              <p:ext uri="{D42A27DB-BD31-4B8C-83A1-F6EECF244321}">
+                <p14:modId xmlns:p14="http://schemas.microsoft.com/office/powerpoint/2010/main" val="4013366670"/>
+              </p:ext>
+            </p:extLst>
+          </p:nvPr>
+        </p:nvGraphicFramePr>
+        <p:xfrm>
+          <a:off x="2032000" y="719666"/>
+          <a:ext cx="8128000" cy="6136640"/>
+        </p:xfrm>
+        <a:graphic>
+          <a:graphicData uri="http://schemas.openxmlformats.org/drawingml/2006/table">
+            <a:tbl>
+              <a:tblPr firstRow="1" bandRow="1">
+                <a:tableStyleId>{5C22544A-7EE6-4342-B048-85BDC9FD1C3A}</a:tableStyleId>
+              </a:tblPr>
+              <a:tblGrid>
+                <a:gridCol w="4064000"/>
+                <a:gridCol w="4064000"/>
+              </a:tblGrid>
+              <a:tr h="370840">
+                <a:tc>
+                  <a:txBody>
+                    <a:bodyPr/>
+                    <a:lstStyle/>
+                    <a:p>
+                      <a:r>
+                        <a:rPr lang="en-US" dirty="0" smtClean="0"/>
+                        <a:t>Function</a:t>
+                      </a:r>
+                      <a:endParaRPr lang="en-IN" dirty="0"/>
+                    </a:p>
+                  </a:txBody>
+                  <a:tcPr/>
+                </a:tc>
+                <a:tc>
+                  <a:txBody>
+                    <a:bodyPr/>
+                    <a:lstStyle/>
+                    <a:p>
+                      <a:r>
+                        <a:rPr lang="en-US" dirty="0" smtClean="0"/>
+                        <a:t>Description</a:t>
+                      </a:r>
+                      <a:endParaRPr lang="en-IN" dirty="0"/>
+                    </a:p>
+                  </a:txBody>
+                  <a:tcPr/>
+                </a:tc>
+              </a:tr>
+              <a:tr h="370840">
+                <a:tc>
+                  <a:txBody>
+                    <a:bodyPr/>
+                    <a:lstStyle/>
+                    <a:p>
+                      <a:pPr marL="0" marR="0" indent="0" algn="l" defTabSz="914400" rtl="0" eaLnBrk="1" fontAlgn="auto" latinLnBrk="0" hangingPunct="1">
+                        <a:lnSpc>
+                          <a:spcPct val="100000"/>
+                        </a:lnSpc>
+                        <a:spcBef>
+                          <a:spcPts val="0"/>
+                        </a:spcBef>
+                        <a:spcAft>
+                          <a:spcPts val="0"/>
+                        </a:spcAft>
+                        <a:buClrTx/>
+                        <a:buSzTx/>
+                        <a:buFontTx/>
+                        <a:buNone/>
+                        <a:tabLst/>
+                        <a:defRPr/>
+                      </a:pPr>
+                      <a:r>
+                        <a:rPr lang="en-IN" sz="1800" b="0" i="0" u="none" strike="noStrike" kern="1200" dirty="0" smtClean="0">
+                          <a:solidFill>
+                            <a:schemeClr val="dk1"/>
+                          </a:solidFill>
+                          <a:effectLst/>
+                          <a:latin typeface="+mn-lt"/>
+                          <a:ea typeface="+mn-ea"/>
+                          <a:cs typeface="+mn-cs"/>
+                          <a:hlinkClick r:id="rId2"/>
+                        </a:rPr>
+                        <a:t>input()</a:t>
+                      </a:r>
+                      <a:endParaRPr lang="en-IN" sz="1800" b="0" i="0" kern="1200" dirty="0" smtClean="0">
+                        <a:solidFill>
+                          <a:schemeClr val="dk1"/>
+                        </a:solidFill>
+                        <a:effectLst/>
+                        <a:latin typeface="+mn-lt"/>
+                        <a:ea typeface="+mn-ea"/>
+                        <a:cs typeface="+mn-cs"/>
+                      </a:endParaRPr>
+                    </a:p>
+                  </a:txBody>
+                  <a:tcPr/>
+                </a:tc>
+                <a:tc>
+                  <a:txBody>
+                    <a:bodyPr/>
+                    <a:lstStyle/>
+                    <a:p>
+                      <a:r>
+                        <a:rPr lang="en-US" sz="1800" b="0" i="0" kern="1200" dirty="0" smtClean="0">
+                          <a:solidFill>
+                            <a:schemeClr val="dk1"/>
+                          </a:solidFill>
+                          <a:effectLst/>
+                          <a:latin typeface="+mn-lt"/>
+                          <a:ea typeface="+mn-ea"/>
+                          <a:cs typeface="+mn-cs"/>
+                        </a:rPr>
+                        <a:t>reads and returns a line of string</a:t>
+                      </a:r>
+                      <a:endParaRPr lang="en-IN" dirty="0"/>
+                    </a:p>
+                  </a:txBody>
+                  <a:tcPr/>
+                </a:tc>
+              </a:tr>
+              <a:tr h="370840">
+                <a:tc>
+                  <a:txBody>
+                    <a:bodyPr/>
+                    <a:lstStyle/>
+                    <a:p>
+                      <a:pPr marL="0" marR="0" indent="0" algn="l" defTabSz="914400" rtl="0" eaLnBrk="1" fontAlgn="auto" latinLnBrk="0" hangingPunct="1">
+                        <a:lnSpc>
+                          <a:spcPct val="100000"/>
+                        </a:lnSpc>
+                        <a:spcBef>
+                          <a:spcPts val="0"/>
+                        </a:spcBef>
+                        <a:spcAft>
+                          <a:spcPts val="0"/>
+                        </a:spcAft>
+                        <a:buClrTx/>
+                        <a:buSzTx/>
+                        <a:buFontTx/>
+                        <a:buNone/>
+                        <a:tabLst/>
+                        <a:defRPr/>
+                      </a:pPr>
+                      <a:r>
+                        <a:rPr lang="en-IN" sz="1800" b="0" i="0" u="none" strike="noStrike" kern="1200" dirty="0" err="1" smtClean="0">
+                          <a:solidFill>
+                            <a:schemeClr val="dk1"/>
+                          </a:solidFill>
+                          <a:effectLst/>
+                          <a:latin typeface="+mn-lt"/>
+                          <a:ea typeface="+mn-ea"/>
+                          <a:cs typeface="+mn-cs"/>
+                          <a:hlinkClick r:id="rId3"/>
+                        </a:rPr>
+                        <a:t>len</a:t>
+                      </a:r>
+                      <a:r>
+                        <a:rPr lang="en-IN" sz="1800" b="0" i="0" u="none" strike="noStrike" kern="1200" dirty="0" smtClean="0">
+                          <a:solidFill>
+                            <a:schemeClr val="dk1"/>
+                          </a:solidFill>
+                          <a:effectLst/>
+                          <a:latin typeface="+mn-lt"/>
+                          <a:ea typeface="+mn-ea"/>
+                          <a:cs typeface="+mn-cs"/>
+                          <a:hlinkClick r:id="rId3"/>
+                        </a:rPr>
+                        <a:t>()</a:t>
+                      </a:r>
+                      <a:endParaRPr lang="en-IN" sz="1800" b="0" i="0" kern="1200" dirty="0" smtClean="0">
+                        <a:solidFill>
+                          <a:schemeClr val="dk1"/>
+                        </a:solidFill>
+                        <a:effectLst/>
+                        <a:latin typeface="+mn-lt"/>
+                        <a:ea typeface="+mn-ea"/>
+                        <a:cs typeface="+mn-cs"/>
+                      </a:endParaRPr>
+                    </a:p>
+                    <a:p>
+                      <a:endParaRPr lang="en-IN" dirty="0"/>
+                    </a:p>
+                  </a:txBody>
+                  <a:tcPr/>
+                </a:tc>
+                <a:tc>
+                  <a:txBody>
+                    <a:bodyPr/>
+                    <a:lstStyle/>
+                    <a:p>
+                      <a:pPr marL="0" marR="0" indent="0" algn="l" defTabSz="914400" rtl="0" eaLnBrk="1" fontAlgn="auto" latinLnBrk="0" hangingPunct="1">
+                        <a:lnSpc>
+                          <a:spcPct val="100000"/>
+                        </a:lnSpc>
+                        <a:spcBef>
+                          <a:spcPts val="0"/>
+                        </a:spcBef>
+                        <a:spcAft>
+                          <a:spcPts val="0"/>
+                        </a:spcAft>
+                        <a:buClrTx/>
+                        <a:buSzTx/>
+                        <a:buFontTx/>
+                        <a:buNone/>
+                        <a:tabLst/>
+                        <a:defRPr/>
+                      </a:pPr>
+                      <a:r>
+                        <a:rPr lang="en-IN" sz="1800" b="0" i="0" u="none" strike="noStrike" kern="1200" dirty="0" err="1" smtClean="0">
+                          <a:solidFill>
+                            <a:schemeClr val="dk1"/>
+                          </a:solidFill>
+                          <a:effectLst/>
+                          <a:latin typeface="+mn-lt"/>
+                          <a:ea typeface="+mn-ea"/>
+                          <a:cs typeface="+mn-cs"/>
+                          <a:hlinkClick r:id="rId3"/>
+                        </a:rPr>
+                        <a:t>len</a:t>
+                      </a:r>
+                      <a:r>
+                        <a:rPr lang="en-IN" sz="1800" b="0" i="0" u="none" strike="noStrike" kern="1200" dirty="0" smtClean="0">
+                          <a:solidFill>
+                            <a:schemeClr val="dk1"/>
+                          </a:solidFill>
+                          <a:effectLst/>
+                          <a:latin typeface="+mn-lt"/>
+                          <a:ea typeface="+mn-ea"/>
+                          <a:cs typeface="+mn-cs"/>
+                          <a:hlinkClick r:id="rId3"/>
+                        </a:rPr>
+                        <a:t>()</a:t>
+                      </a:r>
+                      <a:endParaRPr lang="en-IN" sz="1800" b="0" i="0" kern="1200" dirty="0" smtClean="0">
+                        <a:solidFill>
+                          <a:schemeClr val="dk1"/>
+                        </a:solidFill>
+                        <a:effectLst/>
+                        <a:latin typeface="+mn-lt"/>
+                        <a:ea typeface="+mn-ea"/>
+                        <a:cs typeface="+mn-cs"/>
+                      </a:endParaRPr>
+                    </a:p>
+                    <a:p>
+                      <a:endParaRPr lang="en-IN" dirty="0"/>
+                    </a:p>
+                  </a:txBody>
+                  <a:tcPr/>
+                </a:tc>
+              </a:tr>
+              <a:tr h="370840">
+                <a:tc>
+                  <a:txBody>
+                    <a:bodyPr/>
+                    <a:lstStyle/>
+                    <a:p>
+                      <a:pPr marL="0" marR="0" indent="0" algn="l" defTabSz="914400" rtl="0" eaLnBrk="1" fontAlgn="auto" latinLnBrk="0" hangingPunct="1">
+                        <a:lnSpc>
+                          <a:spcPct val="100000"/>
+                        </a:lnSpc>
+                        <a:spcBef>
+                          <a:spcPts val="0"/>
+                        </a:spcBef>
+                        <a:spcAft>
+                          <a:spcPts val="0"/>
+                        </a:spcAft>
+                        <a:buClrTx/>
+                        <a:buSzTx/>
+                        <a:buFontTx/>
+                        <a:buNone/>
+                        <a:tabLst/>
+                        <a:defRPr/>
+                      </a:pPr>
+                      <a:r>
+                        <a:rPr lang="en-IN" sz="1800" b="0" i="0" u="none" strike="noStrike" kern="1200" dirty="0" smtClean="0">
+                          <a:solidFill>
+                            <a:schemeClr val="dk1"/>
+                          </a:solidFill>
+                          <a:effectLst/>
+                          <a:latin typeface="+mn-lt"/>
+                          <a:ea typeface="+mn-ea"/>
+                          <a:cs typeface="+mn-cs"/>
+                          <a:hlinkClick r:id="rId4"/>
+                        </a:rPr>
+                        <a:t>print()</a:t>
+                      </a:r>
+                      <a:endParaRPr lang="en-IN" sz="1800" b="0" i="0" kern="1200" dirty="0" smtClean="0">
+                        <a:solidFill>
+                          <a:schemeClr val="dk1"/>
+                        </a:solidFill>
+                        <a:effectLst/>
+                        <a:latin typeface="+mn-lt"/>
+                        <a:ea typeface="+mn-ea"/>
+                        <a:cs typeface="+mn-cs"/>
+                      </a:endParaRPr>
+                    </a:p>
+                    <a:p>
+                      <a:endParaRPr lang="en-IN" dirty="0"/>
+                    </a:p>
+                  </a:txBody>
+                  <a:tcPr/>
+                </a:tc>
+                <a:tc>
+                  <a:txBody>
+                    <a:bodyPr/>
+                    <a:lstStyle/>
+                    <a:p>
+                      <a:r>
+                        <a:rPr lang="en-IN" sz="1800" b="0" i="0" kern="1200" dirty="0" smtClean="0">
+                          <a:solidFill>
+                            <a:schemeClr val="dk1"/>
+                          </a:solidFill>
+                          <a:effectLst/>
+                          <a:latin typeface="+mn-lt"/>
+                          <a:ea typeface="+mn-ea"/>
+                          <a:cs typeface="+mn-cs"/>
+                        </a:rPr>
+                        <a:t>Prints the Given Object</a:t>
+                      </a:r>
+                      <a:endParaRPr lang="en-IN" dirty="0"/>
+                    </a:p>
+                  </a:txBody>
+                  <a:tcPr/>
+                </a:tc>
+              </a:tr>
+              <a:tr h="370840">
+                <a:tc>
+                  <a:txBody>
+                    <a:bodyPr/>
+                    <a:lstStyle/>
+                    <a:p>
+                      <a:pPr marL="0" marR="0" indent="0" algn="l" defTabSz="914400" rtl="0" eaLnBrk="1" fontAlgn="auto" latinLnBrk="0" hangingPunct="1">
+                        <a:lnSpc>
+                          <a:spcPct val="100000"/>
+                        </a:lnSpc>
+                        <a:spcBef>
+                          <a:spcPts val="0"/>
+                        </a:spcBef>
+                        <a:spcAft>
+                          <a:spcPts val="0"/>
+                        </a:spcAft>
+                        <a:buClrTx/>
+                        <a:buSzTx/>
+                        <a:buFontTx/>
+                        <a:buNone/>
+                        <a:tabLst/>
+                        <a:defRPr/>
+                      </a:pPr>
+                      <a:r>
+                        <a:rPr lang="en-IN" sz="1800" b="0" i="0" u="none" strike="noStrike" kern="1200" dirty="0" smtClean="0">
+                          <a:solidFill>
+                            <a:schemeClr val="dk1"/>
+                          </a:solidFill>
+                          <a:effectLst/>
+                          <a:latin typeface="+mn-lt"/>
+                          <a:ea typeface="+mn-ea"/>
+                          <a:cs typeface="+mn-cs"/>
+                          <a:hlinkClick r:id="rId5"/>
+                        </a:rPr>
+                        <a:t>range()</a:t>
+                      </a:r>
+                      <a:endParaRPr lang="en-IN" sz="1800" b="0" i="0" kern="1200" dirty="0" smtClean="0">
+                        <a:solidFill>
+                          <a:schemeClr val="dk1"/>
+                        </a:solidFill>
+                        <a:effectLst/>
+                        <a:latin typeface="+mn-lt"/>
+                        <a:ea typeface="+mn-ea"/>
+                        <a:cs typeface="+mn-cs"/>
+                      </a:endParaRPr>
+                    </a:p>
+                    <a:p>
+                      <a:endParaRPr lang="en-IN" dirty="0"/>
+                    </a:p>
+                  </a:txBody>
+                  <a:tcPr/>
+                </a:tc>
+                <a:tc>
+                  <a:txBody>
+                    <a:bodyPr/>
+                    <a:lstStyle/>
+                    <a:p>
+                      <a:r>
+                        <a:rPr lang="en-US" sz="1800" b="0" i="0" kern="1200" dirty="0" smtClean="0">
+                          <a:solidFill>
+                            <a:schemeClr val="dk1"/>
+                          </a:solidFill>
+                          <a:effectLst/>
+                          <a:latin typeface="+mn-lt"/>
+                          <a:ea typeface="+mn-ea"/>
+                          <a:cs typeface="+mn-cs"/>
+                        </a:rPr>
+                        <a:t>return sequence of integers between start and stop</a:t>
+                      </a:r>
+                      <a:endParaRPr lang="en-IN" dirty="0"/>
+                    </a:p>
+                  </a:txBody>
+                  <a:tcPr/>
+                </a:tc>
+              </a:tr>
+              <a:tr h="370840">
+                <a:tc>
+                  <a:txBody>
+                    <a:bodyPr/>
+                    <a:lstStyle/>
+                    <a:p>
+                      <a:pPr marL="0" marR="0" indent="0" algn="l" defTabSz="914400" rtl="0" eaLnBrk="1" fontAlgn="auto" latinLnBrk="0" hangingPunct="1">
+                        <a:lnSpc>
+                          <a:spcPct val="100000"/>
+                        </a:lnSpc>
+                        <a:spcBef>
+                          <a:spcPts val="0"/>
+                        </a:spcBef>
+                        <a:spcAft>
+                          <a:spcPts val="0"/>
+                        </a:spcAft>
+                        <a:buClrTx/>
+                        <a:buSzTx/>
+                        <a:buFontTx/>
+                        <a:buNone/>
+                        <a:tabLst/>
+                        <a:defRPr/>
+                      </a:pPr>
+                      <a:r>
+                        <a:rPr lang="en-IN" sz="1800" b="0" i="0" u="none" strike="noStrike" kern="1200" dirty="0" smtClean="0">
+                          <a:solidFill>
+                            <a:schemeClr val="dk1"/>
+                          </a:solidFill>
+                          <a:effectLst/>
+                          <a:latin typeface="+mn-lt"/>
+                          <a:ea typeface="+mn-ea"/>
+                          <a:cs typeface="+mn-cs"/>
+                          <a:hlinkClick r:id="rId6"/>
+                        </a:rPr>
+                        <a:t> format()</a:t>
+                      </a:r>
+                      <a:endParaRPr lang="en-IN" sz="1800" b="0" i="0" kern="1200" dirty="0" smtClean="0">
+                        <a:solidFill>
+                          <a:schemeClr val="dk1"/>
+                        </a:solidFill>
+                        <a:effectLst/>
+                        <a:latin typeface="+mn-lt"/>
+                        <a:ea typeface="+mn-ea"/>
+                        <a:cs typeface="+mn-cs"/>
+                      </a:endParaRPr>
+                    </a:p>
+                    <a:p>
+                      <a:endParaRPr lang="en-IN" dirty="0"/>
+                    </a:p>
+                  </a:txBody>
+                  <a:tcPr/>
+                </a:tc>
+                <a:tc>
+                  <a:txBody>
+                    <a:bodyPr/>
+                    <a:lstStyle/>
+                    <a:p>
+                      <a:r>
+                        <a:rPr lang="en-US" sz="1800" b="0" i="0" kern="1200" dirty="0" smtClean="0">
+                          <a:solidFill>
+                            <a:schemeClr val="dk1"/>
+                          </a:solidFill>
+                          <a:effectLst/>
+                          <a:latin typeface="+mn-lt"/>
+                          <a:ea typeface="+mn-ea"/>
+                          <a:cs typeface="+mn-cs"/>
+                        </a:rPr>
+                        <a:t>returns formatted representation of a value</a:t>
+                      </a:r>
+                      <a:endParaRPr lang="en-IN" dirty="0"/>
+                    </a:p>
+                  </a:txBody>
+                  <a:tcPr/>
+                </a:tc>
+              </a:tr>
+              <a:tr h="370840">
+                <a:tc>
+                  <a:txBody>
+                    <a:bodyPr/>
+                    <a:lstStyle/>
+                    <a:p>
+                      <a:pPr marL="0" marR="0" indent="0" algn="l" defTabSz="914400" rtl="0" eaLnBrk="1" fontAlgn="auto" latinLnBrk="0" hangingPunct="1">
+                        <a:lnSpc>
+                          <a:spcPct val="100000"/>
+                        </a:lnSpc>
+                        <a:spcBef>
+                          <a:spcPts val="0"/>
+                        </a:spcBef>
+                        <a:spcAft>
+                          <a:spcPts val="0"/>
+                        </a:spcAft>
+                        <a:buClrTx/>
+                        <a:buSzTx/>
+                        <a:buFontTx/>
+                        <a:buNone/>
+                        <a:tabLst/>
+                        <a:defRPr/>
+                      </a:pPr>
+                      <a:r>
+                        <a:rPr lang="en-IN" sz="1800" b="0" i="0" u="none" strike="noStrike" kern="1200" dirty="0" smtClean="0">
+                          <a:solidFill>
+                            <a:schemeClr val="dk1"/>
+                          </a:solidFill>
+                          <a:effectLst/>
+                          <a:latin typeface="+mn-lt"/>
+                          <a:ea typeface="+mn-ea"/>
+                          <a:cs typeface="+mn-cs"/>
+                          <a:hlinkClick r:id="rId7"/>
+                        </a:rPr>
+                        <a:t>max()</a:t>
+                      </a:r>
+                      <a:endParaRPr lang="en-IN" sz="1800" b="0" i="0" kern="1200" dirty="0" smtClean="0">
+                        <a:solidFill>
+                          <a:schemeClr val="dk1"/>
+                        </a:solidFill>
+                        <a:effectLst/>
+                        <a:latin typeface="+mn-lt"/>
+                        <a:ea typeface="+mn-ea"/>
+                        <a:cs typeface="+mn-cs"/>
+                      </a:endParaRPr>
+                    </a:p>
+                    <a:p>
+                      <a:endParaRPr lang="en-IN" dirty="0"/>
+                    </a:p>
+                  </a:txBody>
+                  <a:tcPr/>
+                </a:tc>
+                <a:tc>
+                  <a:txBody>
+                    <a:bodyPr/>
+                    <a:lstStyle/>
+                    <a:p>
+                      <a:r>
+                        <a:rPr lang="en-IN" sz="1800" b="0" i="0" kern="1200" dirty="0" smtClean="0">
+                          <a:solidFill>
+                            <a:schemeClr val="dk1"/>
+                          </a:solidFill>
+                          <a:effectLst/>
+                          <a:latin typeface="+mn-lt"/>
+                          <a:ea typeface="+mn-ea"/>
+                          <a:cs typeface="+mn-cs"/>
+                        </a:rPr>
+                        <a:t>returns the largest item</a:t>
+                      </a:r>
+                      <a:endParaRPr lang="en-IN" dirty="0"/>
+                    </a:p>
+                  </a:txBody>
+                  <a:tcPr/>
+                </a:tc>
+              </a:tr>
+              <a:tr h="370840">
+                <a:tc>
+                  <a:txBody>
+                    <a:bodyPr/>
+                    <a:lstStyle/>
+                    <a:p>
+                      <a:pPr marL="0" marR="0" indent="0" algn="l" defTabSz="914400" rtl="0" eaLnBrk="1" fontAlgn="auto" latinLnBrk="0" hangingPunct="1">
+                        <a:lnSpc>
+                          <a:spcPct val="100000"/>
+                        </a:lnSpc>
+                        <a:spcBef>
+                          <a:spcPts val="0"/>
+                        </a:spcBef>
+                        <a:spcAft>
+                          <a:spcPts val="0"/>
+                        </a:spcAft>
+                        <a:buClrTx/>
+                        <a:buSzTx/>
+                        <a:buFontTx/>
+                        <a:buNone/>
+                        <a:tabLst/>
+                        <a:defRPr/>
+                      </a:pPr>
+                      <a:r>
+                        <a:rPr lang="en-IN" sz="1800" b="0" i="0" u="none" strike="noStrike" kern="1200" dirty="0" smtClean="0">
+                          <a:solidFill>
+                            <a:schemeClr val="dk1"/>
+                          </a:solidFill>
+                          <a:effectLst/>
+                          <a:latin typeface="+mn-lt"/>
+                          <a:ea typeface="+mn-ea"/>
+                          <a:cs typeface="+mn-cs"/>
+                          <a:hlinkClick r:id="rId8"/>
+                        </a:rPr>
+                        <a:t>sorted()</a:t>
+                      </a:r>
+                      <a:endParaRPr lang="en-IN" sz="1800" b="0" i="0" kern="1200" dirty="0" smtClean="0">
+                        <a:solidFill>
+                          <a:schemeClr val="dk1"/>
+                        </a:solidFill>
+                        <a:effectLst/>
+                        <a:latin typeface="+mn-lt"/>
+                        <a:ea typeface="+mn-ea"/>
+                        <a:cs typeface="+mn-cs"/>
+                      </a:endParaRPr>
+                    </a:p>
+                    <a:p>
+                      <a:endParaRPr lang="en-IN" dirty="0"/>
+                    </a:p>
+                  </a:txBody>
+                  <a:tcPr>
+                    <a:lnB w="12700" cmpd="sng">
+                      <a:noFill/>
+                    </a:lnB>
+                  </a:tcPr>
+                </a:tc>
+                <a:tc>
+                  <a:txBody>
+                    <a:bodyPr/>
+                    <a:lstStyle/>
+                    <a:p>
+                      <a:r>
+                        <a:rPr lang="en-US" sz="1800" b="0" i="0" kern="1200" dirty="0" smtClean="0">
+                          <a:solidFill>
+                            <a:schemeClr val="dk1"/>
+                          </a:solidFill>
+                          <a:effectLst/>
+                          <a:latin typeface="+mn-lt"/>
+                          <a:ea typeface="+mn-ea"/>
+                          <a:cs typeface="+mn-cs"/>
+                        </a:rPr>
+                        <a:t>returns a sorted list from the given </a:t>
+                      </a:r>
+                      <a:r>
+                        <a:rPr lang="en-US" sz="1800" b="0" i="0" kern="1200" dirty="0" err="1" smtClean="0">
+                          <a:solidFill>
+                            <a:schemeClr val="dk1"/>
+                          </a:solidFill>
+                          <a:effectLst/>
+                          <a:latin typeface="+mn-lt"/>
+                          <a:ea typeface="+mn-ea"/>
+                          <a:cs typeface="+mn-cs"/>
+                        </a:rPr>
+                        <a:t>iterable</a:t>
+                      </a:r>
+                      <a:endParaRPr lang="en-IN" dirty="0"/>
+                    </a:p>
+                  </a:txBody>
+                  <a:tcPr/>
+                </a:tc>
+              </a:tr>
+              <a:tr h="370840">
+                <a:tc>
+                  <a:txBody>
+                    <a:bodyPr/>
+                    <a:lstStyle/>
+                    <a:p>
+                      <a:pPr marL="0" marR="0" indent="0" algn="l" defTabSz="914400" rtl="0" eaLnBrk="1" fontAlgn="auto" latinLnBrk="0" hangingPunct="1">
+                        <a:lnSpc>
+                          <a:spcPct val="100000"/>
+                        </a:lnSpc>
+                        <a:spcBef>
+                          <a:spcPts val="0"/>
+                        </a:spcBef>
+                        <a:spcAft>
+                          <a:spcPts val="0"/>
+                        </a:spcAft>
+                        <a:buClrTx/>
+                        <a:buSzTx/>
+                        <a:buFontTx/>
+                        <a:buNone/>
+                        <a:tabLst/>
+                        <a:defRPr/>
+                      </a:pPr>
+                      <a:r>
+                        <a:rPr lang="en-IN" sz="1800" b="1" i="0" kern="1200" dirty="0" smtClean="0">
+                          <a:solidFill>
+                            <a:schemeClr val="dk1"/>
+                          </a:solidFill>
+                          <a:effectLst/>
+                          <a:latin typeface="+mn-lt"/>
+                          <a:ea typeface="+mn-ea"/>
+                          <a:cs typeface="+mn-cs"/>
+                        </a:rPr>
+                        <a:t>type( )</a:t>
+                      </a:r>
+                      <a:endParaRPr lang="en-IN" sz="1800" b="0" i="0" kern="1200" dirty="0" smtClean="0">
+                        <a:solidFill>
+                          <a:schemeClr val="dk1"/>
+                        </a:solidFill>
+                        <a:effectLst/>
+                        <a:latin typeface="+mn-lt"/>
+                        <a:ea typeface="+mn-ea"/>
+                        <a:cs typeface="+mn-cs"/>
+                      </a:endParaRPr>
+                    </a:p>
+                  </a:txBody>
+                  <a:tcPr>
+                    <a:lnL w="12700" cmpd="sng">
+                      <a:noFill/>
+                    </a:lnL>
+                    <a:lnR w="12700" cmpd="sng">
+                      <a:noFill/>
+                    </a:lnR>
+                    <a:lnT w="12700" cmpd="sng">
+                      <a:noFill/>
+                    </a:lnT>
+                    <a:lnB w="12700" cmpd="sng">
+                      <a:noFill/>
+                    </a:lnB>
+                    <a:lnTlToBr w="12700" cmpd="sng">
+                      <a:noFill/>
+                      <a:prstDash val="solid"/>
+                    </a:lnTlToBr>
+                    <a:lnBlToTr w="12700" cmpd="sng">
+                      <a:noFill/>
+                      <a:prstDash val="solid"/>
+                    </a:lnBlToTr>
+                  </a:tcPr>
+                </a:tc>
+                <a:tc>
+                  <a:txBody>
+                    <a:bodyPr/>
+                    <a:lstStyle/>
+                    <a:p>
+                      <a:r>
+                        <a:rPr lang="en-US" sz="1800" b="0" i="0" kern="1200" dirty="0" smtClean="0">
+                          <a:solidFill>
+                            <a:schemeClr val="dk1"/>
+                          </a:solidFill>
+                          <a:effectLst/>
+                          <a:latin typeface="+mn-lt"/>
+                          <a:ea typeface="+mn-ea"/>
+                          <a:cs typeface="+mn-cs"/>
+                        </a:rPr>
+                        <a:t>The type() function returns the type of the specified object.</a:t>
+                      </a:r>
+                      <a:endParaRPr lang="en-IN" dirty="0"/>
+                    </a:p>
+                  </a:txBody>
+                  <a:tcPr>
+                    <a:lnL w="12700" cmpd="sng">
+                      <a:noFill/>
+                    </a:lnL>
+                  </a:tcPr>
+                </a:tc>
+              </a:tr>
+              <a:tr h="370840">
+                <a:tc>
+                  <a:txBody>
+                    <a:bodyPr/>
+                    <a:lstStyle/>
+                    <a:p>
+                      <a:pPr marL="0" marR="0" indent="0" algn="l" defTabSz="914400" rtl="0" eaLnBrk="1" fontAlgn="auto" latinLnBrk="0" hangingPunct="1">
+                        <a:lnSpc>
+                          <a:spcPct val="100000"/>
+                        </a:lnSpc>
+                        <a:spcBef>
+                          <a:spcPts val="0"/>
+                        </a:spcBef>
+                        <a:spcAft>
+                          <a:spcPts val="0"/>
+                        </a:spcAft>
+                        <a:buClrTx/>
+                        <a:buSzTx/>
+                        <a:buFontTx/>
+                        <a:buNone/>
+                        <a:tabLst/>
+                        <a:defRPr/>
+                      </a:pPr>
+                      <a:r>
+                        <a:rPr lang="en-IN" sz="1800" b="1" i="0" kern="1200" dirty="0" smtClean="0">
+                          <a:solidFill>
+                            <a:schemeClr val="dk1"/>
+                          </a:solidFill>
+                          <a:effectLst/>
+                          <a:latin typeface="+mn-lt"/>
+                          <a:ea typeface="+mn-ea"/>
+                          <a:cs typeface="+mn-cs"/>
+                        </a:rPr>
+                        <a:t>help( )</a:t>
+                      </a:r>
+                      <a:endParaRPr lang="en-IN" sz="1800" b="0" i="0" kern="1200" dirty="0" smtClean="0">
+                        <a:solidFill>
+                          <a:schemeClr val="dk1"/>
+                        </a:solidFill>
+                        <a:effectLst/>
+                        <a:latin typeface="+mn-lt"/>
+                        <a:ea typeface="+mn-ea"/>
+                        <a:cs typeface="+mn-cs"/>
+                      </a:endParaRPr>
+                    </a:p>
+                    <a:p>
+                      <a:pPr marL="0" marR="0" indent="0" algn="l" defTabSz="914400" rtl="0" eaLnBrk="1" fontAlgn="auto" latinLnBrk="0" hangingPunct="1">
+                        <a:lnSpc>
+                          <a:spcPct val="100000"/>
+                        </a:lnSpc>
+                        <a:spcBef>
+                          <a:spcPts val="0"/>
+                        </a:spcBef>
+                        <a:spcAft>
+                          <a:spcPts val="0"/>
+                        </a:spcAft>
+                        <a:buClrTx/>
+                        <a:buSzTx/>
+                        <a:buFontTx/>
+                        <a:buNone/>
+                        <a:tabLst/>
+                        <a:defRPr/>
+                      </a:pPr>
+                      <a:endParaRPr lang="en-IN" sz="1800" b="0" i="0" kern="1200" dirty="0" smtClean="0">
+                        <a:solidFill>
+                          <a:schemeClr val="dk1"/>
+                        </a:solidFill>
+                        <a:effectLst/>
+                        <a:latin typeface="+mn-lt"/>
+                        <a:ea typeface="+mn-ea"/>
+                        <a:cs typeface="+mn-cs"/>
+                      </a:endParaRPr>
+                    </a:p>
+                  </a:txBody>
+                  <a:tcPr>
+                    <a:lnL w="12700" cmpd="sng">
+                      <a:noFill/>
+                    </a:lnL>
+                    <a:lnR w="12700" cmpd="sng">
+                      <a:noFill/>
+                    </a:lnR>
+                    <a:lnT w="12700" cmpd="sng">
+                      <a:noFill/>
+                    </a:lnT>
+                    <a:lnB w="12700" cmpd="sng">
+                      <a:noFill/>
+                    </a:lnB>
+                    <a:lnTlToBr w="12700" cmpd="sng">
+                      <a:noFill/>
+                      <a:prstDash val="solid"/>
+                    </a:lnTlToBr>
+                    <a:lnBlToTr w="12700" cmpd="sng">
+                      <a:noFill/>
+                      <a:prstDash val="solid"/>
+                    </a:lnBlToTr>
+                  </a:tcPr>
+                </a:tc>
+                <a:tc>
+                  <a:txBody>
+                    <a:bodyPr/>
+                    <a:lstStyle/>
+                    <a:p>
+                      <a:r>
+                        <a:rPr lang="en-US" sz="1800" b="0" i="0" kern="1200" dirty="0" smtClean="0">
+                          <a:solidFill>
+                            <a:schemeClr val="dk1"/>
+                          </a:solidFill>
+                          <a:effectLst/>
+                          <a:latin typeface="+mn-lt"/>
+                          <a:ea typeface="+mn-ea"/>
+                          <a:cs typeface="+mn-cs"/>
+                        </a:rPr>
+                        <a:t>The help() function is used to display the documentation of modules, functions, classes, keywords, etc.</a:t>
+                      </a:r>
+                      <a:endParaRPr lang="en-IN" dirty="0"/>
+                    </a:p>
+                  </a:txBody>
+                  <a:tcPr>
+                    <a:lnL w="12700" cmpd="sng">
+                      <a:noFill/>
+                    </a:lnL>
+                  </a:tcPr>
+                </a:tc>
+              </a:tr>
+            </a:tbl>
+          </a:graphicData>
+        </a:graphic>
+      </p:graphicFrame>
+    </p:spTree>
+    <p:extLst>
+      <p:ext uri="{BB962C8B-B14F-4D97-AF65-F5344CB8AC3E}">
+        <p14:creationId xmlns:p14="http://schemas.microsoft.com/office/powerpoint/2010/main" val="3697215174"/>
+      </p:ext>
+    </p:extLst>
+  </p:cSld>
+  <p:clrMapOvr>
+    <a:masterClrMapping/>
+  </p:clrMapOvr>
+</p:sld>
+</file>
+
+<file path=ppt/slides/slide3.xml><?xml version="1.0" encoding="utf-8"?>
+<p:sld xmlns:a="http://schemas.openxmlformats.org/drawingml/2006/main" xmlns:r="http://schemas.openxmlformats.org/officeDocument/2006/relationships" xmlns:p="http://schemas.openxmlformats.org/presentationml/2006/main">
+  <p:cSld>
+    <p:spTree>
+      <p:nvGrpSpPr>
+        <p:cNvPr id="1" name=""/>
+        <p:cNvGrpSpPr/>
+        <p:nvPr/>
+      </p:nvGrpSpPr>
+      <p:grpSpPr>
+        <a:xfrm>
+          <a:off x="0" y="0"/>
+          <a:ext cx="0" cy="0"/>
+          <a:chOff x="0" y="0"/>
+          <a:chExt cx="0" cy="0"/>
+        </a:xfrm>
+      </p:grpSpPr>
       <p:sp>
         <p:nvSpPr>
           <p:cNvPr id="2" name="Title 1"/>
@@ -3171,42 +4091,8 @@
         </p:nvSpPr>
         <p:spPr>
           <a:xfrm>
-            <a:off x="1421450" y="378879"/>
-            <a:ext cx="9144000" cy="766258"/>
-          </a:xfrm>
-        </p:spPr>
-        <p:txBody>
-          <a:bodyPr>
-            <a:normAutofit fontScale="90000"/>
-          </a:bodyPr>
-          <a:lstStyle/>
-          <a:p>
-            <a:r>
-              <a:rPr lang="en-US" dirty="0"/>
-              <a:t>P</a:t>
-            </a:r>
-            <a:r>
-              <a:rPr lang="en-US" dirty="0" smtClean="0"/>
-              <a:t>ositional Argument</a:t>
-            </a:r>
-            <a:endParaRPr lang="en-IN" dirty="0"/>
-          </a:p>
-        </p:txBody>
-      </p:sp>
-      <p:sp>
-        <p:nvSpPr>
-          <p:cNvPr id="3" name="Subtitle 2"/>
-          <p:cNvSpPr>
-            <a:spLocks noGrp="1"/>
-          </p:cNvSpPr>
-          <p:nvPr>
-            <p:ph type="subTitle" idx="1"/>
-          </p:nvPr>
-        </p:nvSpPr>
-        <p:spPr>
-          <a:xfrm>
-            <a:off x="1806011" y="1657884"/>
-            <a:ext cx="9144000" cy="3896882"/>
+            <a:off x="1250535" y="2939753"/>
+            <a:ext cx="9144000" cy="1239141"/>
           </a:xfrm>
         </p:spPr>
         <p:txBody>
@@ -3215,116 +4101,18 @@
           </a:bodyPr>
           <a:lstStyle/>
           <a:p>
-            <a:pPr algn="l"/>
-            <a:endParaRPr lang="en-US" sz="1400" dirty="0" smtClean="0"/>
-          </a:p>
-          <a:p>
-            <a:pPr algn="l"/>
-            <a:r>
-              <a:rPr lang="en-US" sz="1400" dirty="0" smtClean="0"/>
-              <a:t>Positional arguments must be passed in correct positional order.</a:t>
-            </a:r>
-          </a:p>
-          <a:p>
-            <a:pPr algn="l"/>
-            <a:r>
-              <a:rPr lang="en-US" sz="1400" dirty="0" smtClean="0"/>
-              <a:t>Example:</a:t>
-            </a:r>
-          </a:p>
-          <a:p>
-            <a:pPr algn="l"/>
-            <a:r>
-              <a:rPr lang="en-US" sz="1400" dirty="0" smtClean="0"/>
-              <a:t>If a function expects an </a:t>
-            </a:r>
-            <a:r>
-              <a:rPr lang="en-US" sz="1400" dirty="0" err="1" smtClean="0"/>
-              <a:t>int</a:t>
-            </a:r>
-            <a:r>
-              <a:rPr lang="en-US" sz="1400" dirty="0" smtClean="0"/>
-              <a:t> ,float and string to be passed to it, then while calling this function the arguments must be passed in the same order.</a:t>
-            </a:r>
-          </a:p>
-          <a:p>
-            <a:pPr algn="l"/>
-            <a:r>
-              <a:rPr lang="en-US" sz="1400" dirty="0" smtClean="0"/>
-              <a:t>Example:</a:t>
-            </a:r>
-          </a:p>
-          <a:p>
-            <a:pPr algn="l"/>
-            <a:r>
-              <a:rPr lang="en-US" sz="1400" dirty="0" err="1" smtClean="0"/>
-              <a:t>def</a:t>
-            </a:r>
-            <a:r>
-              <a:rPr lang="en-US" sz="1400" dirty="0" smtClean="0"/>
-              <a:t> show(</a:t>
-            </a:r>
-            <a:r>
-              <a:rPr lang="en-US" sz="1400" dirty="0" err="1" smtClean="0"/>
-              <a:t>I,j,name</a:t>
-            </a:r>
-            <a:r>
-              <a:rPr lang="en-US" sz="1400" dirty="0" smtClean="0"/>
-              <a:t>):</a:t>
-            </a:r>
-          </a:p>
-          <a:p>
-            <a:pPr algn="l"/>
-            <a:r>
-              <a:rPr lang="en-US" sz="1400" dirty="0"/>
-              <a:t>	</a:t>
-            </a:r>
-            <a:r>
-              <a:rPr lang="en-US" sz="1400" dirty="0" smtClean="0"/>
-              <a:t>x = I + j</a:t>
-            </a:r>
-          </a:p>
-          <a:p>
-            <a:pPr algn="l"/>
-            <a:r>
-              <a:rPr lang="en-US" sz="1400" dirty="0"/>
-              <a:t>	</a:t>
-            </a:r>
-            <a:r>
-              <a:rPr lang="en-US" sz="1400" dirty="0" err="1" smtClean="0"/>
-              <a:t>upr</a:t>
-            </a:r>
-            <a:r>
-              <a:rPr lang="en-US" sz="1400" dirty="0" smtClean="0"/>
-              <a:t> = </a:t>
-            </a:r>
-            <a:r>
-              <a:rPr lang="en-US" sz="1400" dirty="0" err="1" smtClean="0"/>
-              <a:t>name.upper</a:t>
-            </a:r>
-            <a:r>
-              <a:rPr lang="en-US" sz="1400" dirty="0" smtClean="0"/>
-              <a:t>()</a:t>
-            </a:r>
-          </a:p>
-          <a:p>
-            <a:pPr algn="l"/>
-            <a:endParaRPr lang="en-US" sz="1400" dirty="0"/>
-          </a:p>
-          <a:p>
-            <a:pPr algn="l"/>
-            <a:r>
-              <a:rPr lang="en-US" sz="1400" smtClean="0"/>
-              <a:t>show(10,20.66,’Rahul’)</a:t>
-            </a:r>
-            <a:endParaRPr lang="en-IN" sz="1400" dirty="0"/>
+            <a:r>
+              <a:rPr lang="en-US" dirty="0" smtClean="0"/>
+              <a:t>User Defined Function</a:t>
+            </a:r>
+            <a:endParaRPr lang="en-IN" dirty="0"/>
           </a:p>
         </p:txBody>
       </p:sp>
     </p:spTree>
     <p:extLst>
       <p:ext uri="{BB962C8B-B14F-4D97-AF65-F5344CB8AC3E}">
-        <p14:creationId xmlns:p14="http://schemas.microsoft.com/office/powerpoint/2010/main" val="3790968708"/>
+        <p14:creationId xmlns:p14="http://schemas.microsoft.com/office/powerpoint/2010/main" val="1390671606"/>
       </p:ext>
     </p:extLst>
   </p:cSld>
